--- a/mestermunka/vegleges/Dokumentacio/mestermunka_ppt.pptx
+++ b/mestermunka/vegleges/Dokumentacio/mestermunka_ppt.pptx
@@ -1032,7 +1032,7 @@
             </a:r>
             <a:r>
               <a:rPr lang="hu-HU" dirty="0"/>
-              <a:t>A Weboldal tartalmaz Regisztrációs és Bejelentkezős funkciókat valamint Olvasni, Tanulni és Letölteni is lehet!</a:t>
+              <a:t>A Weboldal tartalmaz Regisztrációs és Bejelentkezős funkciókat, valamint Olvasni, Tanulni és Letölteni is lehet! Illetve, ahogyan a képen látható, tartalmaz egy chat oldalt is, de ez még fejlesztés alatt áll.</a:t>
             </a:r>
           </a:p>
         </p:txBody>
@@ -1126,7 +1126,7 @@
           <a:p>
             <a:r>
               <a:rPr lang="hu-HU" dirty="0"/>
-              <a:t>A Weboldal tartalmaz Regisztrációs és Bejelentkezős funkciókat valamint Olvasni, Tanulni és Letölteni is lehet!</a:t>
+              <a:t>A Weboldal tartalmaz Regisztrációs és Bejelentkezős funkciókat, valamint Olvasni, Tanulni és Letölteni is lehet! Illetve, ahogyan a képen látható, tartalmaz egy chat oldalt is, de ez még fejlesztés alatt áll.</a:t>
             </a:r>
           </a:p>
           <a:p>
@@ -1480,63 +1480,23 @@
           <a:p>
             <a:r>
               <a:rPr lang="hu-HU" dirty="0"/>
-              <a:t>A háttérrendszert a </a:t>
-            </a:r>
-            <a:r>
-              <a:rPr lang="hu-HU" b="1" dirty="0"/>
-              <a:t>Node.js</a:t>
+              <a:t>A háttérrendszer Node.js és Express alapú, CORS és body-parser a kommunikációhoz, MySQL2 az adatbázis kapcsolathoz, </a:t>
+            </a:r>
+            <a:r>
+              <a:rPr lang="hu-HU" dirty="0" err="1"/>
+              <a:t>bcrypt</a:t>
             </a:r>
             <a:r>
               <a:rPr lang="hu-HU" dirty="0"/>
-              <a:t> és az </a:t>
-            </a:r>
-            <a:r>
-              <a:rPr lang="hu-HU" b="1" dirty="0"/>
-              <a:t>Express</a:t>
+              <a:t> a jelszavak biztonságos </a:t>
+            </a:r>
+            <a:r>
+              <a:rPr lang="hu-HU" dirty="0" err="1"/>
+              <a:t>hash-eléséhez</a:t>
             </a:r>
             <a:r>
               <a:rPr lang="hu-HU" dirty="0"/>
-              <a:t> keretrendszer kezeli. Az </a:t>
-            </a:r>
-            <a:r>
-              <a:rPr lang="hu-HU" b="1" dirty="0"/>
-              <a:t>CORS</a:t>
-            </a:r>
-            <a:r>
-              <a:rPr lang="hu-HU" dirty="0"/>
-              <a:t> és a </a:t>
-            </a:r>
-            <a:r>
-              <a:rPr lang="hu-HU" b="1" dirty="0"/>
-              <a:t>body-parser</a:t>
-            </a:r>
-            <a:r>
-              <a:rPr lang="hu-HU" dirty="0"/>
-              <a:t> csomagok biztosítják a kliens és a szerver közti kommunikációt. A </a:t>
-            </a:r>
-            <a:r>
-              <a:rPr lang="hu-HU" b="1" dirty="0"/>
-              <a:t>MySQL2</a:t>
-            </a:r>
-            <a:r>
-              <a:rPr lang="hu-HU" dirty="0"/>
-              <a:t> csomag segítségével történik a kapcsolat az adatbázissal. A </a:t>
-            </a:r>
-            <a:r>
-              <a:rPr lang="hu-HU" b="1" dirty="0" err="1"/>
-              <a:t>bcrypt</a:t>
-            </a:r>
-            <a:r>
-              <a:rPr lang="hu-HU" dirty="0"/>
-              <a:t> algoritmus gondoskodik a jelszavak biztonságos </a:t>
-            </a:r>
-            <a:r>
-              <a:rPr lang="hu-HU" dirty="0" err="1"/>
-              <a:t>hash-eléséről</a:t>
-            </a:r>
-            <a:r>
-              <a:rPr lang="hu-HU" dirty="0"/>
-              <a:t> regisztráció és bejelentkezés során.</a:t>
+              <a:t>.</a:t>
             </a:r>
           </a:p>
           <a:p>
@@ -6850,10 +6810,10 @@
       </p:grpSpPr>
       <p:sp useBgFill="1">
         <p:nvSpPr>
-          <p:cNvPr id="49" name="Rectangle 48">
+          <p:cNvPr id="102" name="Rectangle 101">
             <a:extLst>
               <a:ext uri="{FF2B5EF4-FFF2-40B4-BE49-F238E27FC236}">
-                <a16:creationId xmlns:a16="http://schemas.microsoft.com/office/drawing/2014/main" id="{5C20B5AE-2DF3-4293-AD4D-C11AD233A6B4}"/>
+                <a16:creationId xmlns:a16="http://schemas.microsoft.com/office/drawing/2014/main" id="{99C51E74-AE1C-4C2D-8766-2627D7476F29}"/>
               </a:ext>
               <a:ext uri="{C183D7F6-B498-43B3-948B-1728B52AA6E4}">
                 <adec:decorative xmlns:adec="http://schemas.microsoft.com/office/drawing/2017/decorative" val="1"/>
@@ -6910,10 +6870,10 @@
       </p:sp>
       <p:pic>
         <p:nvPicPr>
-          <p:cNvPr id="50" name="Picture 49">
+          <p:cNvPr id="104" name="Picture 103">
             <a:extLst>
               <a:ext uri="{FF2B5EF4-FFF2-40B4-BE49-F238E27FC236}">
-                <a16:creationId xmlns:a16="http://schemas.microsoft.com/office/drawing/2014/main" id="{300F2A8D-0033-418D-871B-CD795773E1D5}"/>
+                <a16:creationId xmlns:a16="http://schemas.microsoft.com/office/drawing/2014/main" id="{CD462C85-3899-41C6-8E4B-A2D08A80C953}"/>
               </a:ext>
               <a:ext uri="{C183D7F6-B498-43B3-948B-1728B52AA6E4}">
                 <adec:decorative xmlns:adec="http://schemas.microsoft.com/office/drawing/2017/decorative" val="1"/>
@@ -6955,10 +6915,10 @@
       </p:pic>
       <p:pic>
         <p:nvPicPr>
-          <p:cNvPr id="51" name="Picture 50">
+          <p:cNvPr id="106" name="Picture 105">
             <a:extLst>
               <a:ext uri="{FF2B5EF4-FFF2-40B4-BE49-F238E27FC236}">
-                <a16:creationId xmlns:a16="http://schemas.microsoft.com/office/drawing/2014/main" id="{C6EEF6DB-B22A-4752-AB3B-7D18C7B0C9BA}"/>
+                <a16:creationId xmlns:a16="http://schemas.microsoft.com/office/drawing/2014/main" id="{399E14F3-0BC2-4EE0-9EC4-040982E14466}"/>
               </a:ext>
               <a:ext uri="{C183D7F6-B498-43B3-948B-1728B52AA6E4}">
                 <adec:decorative xmlns:adec="http://schemas.microsoft.com/office/drawing/2017/decorative" val="1"/>
@@ -7001,10 +6961,10 @@
       </p:pic>
       <p:sp>
         <p:nvSpPr>
-          <p:cNvPr id="52" name="Rectangle 51">
+          <p:cNvPr id="108" name="Rectangle 107">
             <a:extLst>
               <a:ext uri="{FF2B5EF4-FFF2-40B4-BE49-F238E27FC236}">
-                <a16:creationId xmlns:a16="http://schemas.microsoft.com/office/drawing/2014/main" id="{95F478F0-A936-4A06-87B1-1673DAA3C24C}"/>
+                <a16:creationId xmlns:a16="http://schemas.microsoft.com/office/drawing/2014/main" id="{95096916-E0AB-4EB0-9391-9DA40EFB2060}"/>
               </a:ext>
               <a:ext uri="{C183D7F6-B498-43B3-948B-1728B52AA6E4}">
                 <adec:decorative xmlns:adec="http://schemas.microsoft.com/office/drawing/2017/decorative" val="1"/>
@@ -7064,10 +7024,10 @@
       </p:sp>
       <p:sp>
         <p:nvSpPr>
-          <p:cNvPr id="53" name="Rectangle 52">
+          <p:cNvPr id="110" name="Rectangle 109">
             <a:extLst>
               <a:ext uri="{FF2B5EF4-FFF2-40B4-BE49-F238E27FC236}">
-                <a16:creationId xmlns:a16="http://schemas.microsoft.com/office/drawing/2014/main" id="{1A17DFA8-DCB0-4F81-8ACD-2EF401B7B754}"/>
+                <a16:creationId xmlns:a16="http://schemas.microsoft.com/office/drawing/2014/main" id="{21892518-7487-4C89-A843-11CECC1780B8}"/>
               </a:ext>
               <a:ext uri="{C183D7F6-B498-43B3-948B-1728B52AA6E4}">
                 <adec:decorative xmlns:adec="http://schemas.microsoft.com/office/drawing/2017/decorative" val="1"/>
@@ -7127,10 +7087,10 @@
       </p:sp>
       <p:sp>
         <p:nvSpPr>
-          <p:cNvPr id="54" name="Rectangle 53">
+          <p:cNvPr id="112" name="Rectangle 111">
             <a:extLst>
               <a:ext uri="{FF2B5EF4-FFF2-40B4-BE49-F238E27FC236}">
-                <a16:creationId xmlns:a16="http://schemas.microsoft.com/office/drawing/2014/main" id="{4C92049A-F832-48F5-B41A-162E03B40AAA}"/>
+                <a16:creationId xmlns:a16="http://schemas.microsoft.com/office/drawing/2014/main" id="{BBD87A24-348C-4C91-853D-1383DE0EDF5B}"/>
               </a:ext>
               <a:ext uri="{C183D7F6-B498-43B3-948B-1728B52AA6E4}">
                 <adec:decorative xmlns:adec="http://schemas.microsoft.com/office/drawing/2017/decorative" val="1"/>
@@ -7208,8 +7168,8 @@
         </p:nvSpPr>
         <p:spPr>
           <a:xfrm>
-            <a:off x="1964445" y="808056"/>
-            <a:ext cx="2668106" cy="1077229"/>
+            <a:off x="1969803" y="808056"/>
+            <a:ext cx="8608037" cy="1077229"/>
           </a:xfrm>
         </p:spPr>
         <p:txBody>
@@ -7220,12 +7180,12 @@
           <a:p>
             <a:pPr algn="l"/>
             <a:r>
-              <a:rPr lang="en-US" sz="2800">
+              <a:rPr lang="en-US">
                 <a:cs typeface="Arial"/>
               </a:rPr>
               <a:t>Responsivity</a:t>
             </a:r>
-            <a:endParaRPr lang="en-US" sz="2800"/>
+            <a:endParaRPr lang="en-US"/>
           </a:p>
         </p:txBody>
       </p:sp>
@@ -7247,58 +7207,66 @@
         </p:nvSpPr>
         <p:spPr>
           <a:xfrm>
-            <a:off x="1964444" y="2052116"/>
-            <a:ext cx="2664217" cy="3997828"/>
+            <a:off x="1975805" y="2052116"/>
+            <a:ext cx="2652855" cy="3997828"/>
           </a:xfrm>
         </p:spPr>
         <p:txBody>
           <a:bodyPr vert="horz" lIns="91440" tIns="45720" rIns="91440" bIns="45720" rtlCol="0">
-            <a:normAutofit fontScale="92500" lnSpcReduction="20000"/>
+            <a:normAutofit/>
           </a:bodyPr>
           <a:lstStyle/>
           <a:p>
-            <a:pPr marL="344170" indent="-344170"/>
-            <a:r>
-              <a:rPr lang="en-US" sz="1600">
+            <a:pPr marL="344170" indent="-344170">
+              <a:lnSpc>
+                <a:spcPct val="110000"/>
+              </a:lnSpc>
+            </a:pPr>
+            <a:r>
+              <a:rPr lang="en-US" sz="1400">
                 <a:cs typeface="Arial"/>
               </a:rPr>
               <a:t> </a:t>
             </a:r>
             <a:r>
-              <a:rPr lang="en-US" sz="1600" b="1">
+              <a:rPr lang="en-US" sz="1400" b="1">
                 <a:ea typeface="+mn-lt"/>
                 <a:cs typeface="+mn-lt"/>
               </a:rPr>
               <a:t>Sign Up and Login Responsiveness</a:t>
             </a:r>
             <a:r>
-              <a:rPr lang="en-US" sz="1600">
+              <a:rPr lang="en-US" sz="1400">
                 <a:ea typeface="+mn-lt"/>
                 <a:cs typeface="+mn-lt"/>
               </a:rPr>
               <a:t>: The sign-up and login form adjusts to different screen sizes, ensuring easy access and usability on mobile, tablet, and desktop.</a:t>
             </a:r>
-            <a:endParaRPr lang="en-US" sz="1600">
+            <a:endParaRPr lang="en-US" sz="1400">
               <a:cs typeface="Arial"/>
             </a:endParaRPr>
           </a:p>
           <a:p>
-            <a:pPr marL="344170" indent="-344170"/>
-            <a:r>
-              <a:rPr lang="en-US" sz="1600">
+            <a:pPr marL="344170" indent="-344170">
+              <a:lnSpc>
+                <a:spcPct val="110000"/>
+              </a:lnSpc>
+            </a:pPr>
+            <a:r>
+              <a:rPr lang="en-US" sz="1400">
                 <a:cs typeface="Arial"/>
               </a:rPr>
               <a:t> </a:t>
             </a:r>
             <a:r>
-              <a:rPr lang="en-US" sz="1600" b="1">
+              <a:rPr lang="en-US" sz="1400" b="1">
                 <a:ea typeface="+mn-lt"/>
                 <a:cs typeface="+mn-lt"/>
               </a:rPr>
               <a:t>Book Display Responsiveness</a:t>
             </a:r>
             <a:r>
-              <a:rPr lang="en-US" sz="1600">
+              <a:rPr lang="en-US" sz="1400">
                 <a:ea typeface="+mn-lt"/>
                 <a:cs typeface="+mn-lt"/>
               </a:rPr>
@@ -7309,10 +7277,10 @@
       </p:sp>
       <p:pic>
         <p:nvPicPr>
-          <p:cNvPr id="6" name="Picture 5">
+          <p:cNvPr id="9" name="Picture 8">
             <a:extLst>
               <a:ext uri="{FF2B5EF4-FFF2-40B4-BE49-F238E27FC236}">
-                <a16:creationId xmlns:a16="http://schemas.microsoft.com/office/drawing/2014/main" id="{1B17A35D-BB74-A579-03F4-78C5F36AED6F}"/>
+                <a16:creationId xmlns:a16="http://schemas.microsoft.com/office/drawing/2014/main" id="{0B7671E2-03CE-7ECB-0DBA-6D8C32806EF9}"/>
               </a:ext>
             </a:extLst>
           </p:cNvPr>
@@ -7323,30 +7291,57 @@
         </p:nvPicPr>
         <p:blipFill>
           <a:blip r:embed="rId6"/>
-          <a:srcRect t="33482" r="2" b="18188"/>
+          <a:srcRect t="3268" r="4" b="25604"/>
           <a:stretch/>
         </p:blipFill>
         <p:spPr>
           <a:xfrm>
-            <a:off x="5436752" y="10"/>
-            <a:ext cx="5948167" cy="3422422"/>
+            <a:off x="5439014" y="2343950"/>
+            <a:ext cx="2240881" cy="3373457"/>
           </a:xfrm>
           <a:prstGeom prst="rect">
             <a:avLst/>
           </a:prstGeom>
-          <a:ln w="12700">
-            <a:solidFill>
-              <a:schemeClr val="tx1"/>
-            </a:solidFill>
+          <a:ln>
+            <a:gradFill flip="none" rotWithShape="1">
+              <a:gsLst>
+                <a:gs pos="86000">
+                  <a:schemeClr val="accent6">
+                    <a:lumMod val="67000"/>
+                  </a:schemeClr>
+                </a:gs>
+                <a:gs pos="20000">
+                  <a:schemeClr val="accent6">
+                    <a:lumMod val="97000"/>
+                    <a:lumOff val="3000"/>
+                  </a:schemeClr>
+                </a:gs>
+                <a:gs pos="100000">
+                  <a:schemeClr val="accent6">
+                    <a:lumMod val="60000"/>
+                    <a:lumOff val="40000"/>
+                  </a:schemeClr>
+                </a:gs>
+              </a:gsLst>
+              <a:lin ang="16200000" scaled="1"/>
+              <a:tileRect/>
+            </a:gradFill>
           </a:ln>
+          <a:effectLst>
+            <a:innerShdw blurRad="127000">
+              <a:prstClr val="black">
+                <a:alpha val="90000"/>
+              </a:prstClr>
+            </a:innerShdw>
+          </a:effectLst>
         </p:spPr>
       </p:pic>
       <p:pic>
         <p:nvPicPr>
-          <p:cNvPr id="4" name="Picture 3">
+          <p:cNvPr id="11" name="Picture 10">
             <a:extLst>
               <a:ext uri="{FF2B5EF4-FFF2-40B4-BE49-F238E27FC236}">
-                <a16:creationId xmlns:a16="http://schemas.microsoft.com/office/drawing/2014/main" id="{76B9B623-6D9D-3584-A0B1-780E9896FC8C}"/>
+                <a16:creationId xmlns:a16="http://schemas.microsoft.com/office/drawing/2014/main" id="{92D1E049-2B75-0D6D-FFF9-B5A3D4BE473D}"/>
               </a:ext>
             </a:extLst>
           </p:cNvPr>
@@ -7357,30 +7352,58 @@
         </p:nvPicPr>
         <p:blipFill>
           <a:blip r:embed="rId7"/>
-          <a:srcRect t="17254" r="-2" b="34702"/>
-          <a:stretch/>
+          <a:stretch>
+            <a:fillRect/>
+          </a:stretch>
         </p:blipFill>
         <p:spPr>
           <a:xfrm>
-            <a:off x="5436753" y="3425635"/>
-            <a:ext cx="5948167" cy="3432592"/>
+            <a:off x="8001628" y="2362400"/>
+            <a:ext cx="2250337" cy="3346225"/>
           </a:xfrm>
           <a:prstGeom prst="rect">
             <a:avLst/>
           </a:prstGeom>
-          <a:ln w="12700">
-            <a:solidFill>
-              <a:schemeClr val="tx1"/>
-            </a:solidFill>
+          <a:ln>
+            <a:gradFill flip="none" rotWithShape="1">
+              <a:gsLst>
+                <a:gs pos="86000">
+                  <a:schemeClr val="accent6">
+                    <a:lumMod val="67000"/>
+                  </a:schemeClr>
+                </a:gs>
+                <a:gs pos="20000">
+                  <a:schemeClr val="accent6">
+                    <a:lumMod val="97000"/>
+                    <a:lumOff val="3000"/>
+                  </a:schemeClr>
+                </a:gs>
+                <a:gs pos="100000">
+                  <a:schemeClr val="accent6">
+                    <a:lumMod val="60000"/>
+                    <a:lumOff val="40000"/>
+                  </a:schemeClr>
+                </a:gs>
+              </a:gsLst>
+              <a:lin ang="16200000" scaled="1"/>
+              <a:tileRect/>
+            </a:gradFill>
           </a:ln>
+          <a:effectLst>
+            <a:innerShdw blurRad="127000">
+              <a:prstClr val="black">
+                <a:alpha val="90000"/>
+              </a:prstClr>
+            </a:innerShdw>
+          </a:effectLst>
         </p:spPr>
       </p:pic>
       <p:sp>
         <p:nvSpPr>
-          <p:cNvPr id="55" name="Rectangle 54">
+          <p:cNvPr id="114" name="Rectangle 113">
             <a:extLst>
               <a:ext uri="{FF2B5EF4-FFF2-40B4-BE49-F238E27FC236}">
-                <a16:creationId xmlns:a16="http://schemas.microsoft.com/office/drawing/2014/main" id="{80D2A828-1594-434F-8D9B-E1475EF72CE1}"/>
+                <a16:creationId xmlns:a16="http://schemas.microsoft.com/office/drawing/2014/main" id="{D80CDB75-827B-4440-97E9-6AAC28D20F29}"/>
               </a:ext>
               <a:ext uri="{C183D7F6-B498-43B3-948B-1728B52AA6E4}">
                 <adec:decorative xmlns:adec="http://schemas.microsoft.com/office/drawing/2017/decorative" val="1"/>
@@ -7400,7 +7423,7 @@
         </p:nvSpPr>
         <p:spPr>
           <a:xfrm>
-            <a:off x="11387666" y="0"/>
+            <a:off x="11387666" y="-2718"/>
             <a:ext cx="27432" cy="6858000"/>
           </a:xfrm>
           <a:prstGeom prst="rect">
@@ -11285,6 +11308,15 @@
 <file path=ppt/slides/slide3.xml><?xml version="1.0" encoding="utf-8"?>
 <p:sld xmlns:a="http://schemas.openxmlformats.org/drawingml/2006/main" xmlns:r="http://schemas.openxmlformats.org/officeDocument/2006/relationships" xmlns:p="http://schemas.openxmlformats.org/presentationml/2006/main">
   <p:cSld>
+    <p:bg>
+      <p:bgPr>
+        <a:blipFill rotWithShape="1">
+          <a:blip r:embed="rId3"/>
+          <a:stretch/>
+        </a:blipFill>
+        <a:effectLst/>
+      </p:bgPr>
+    </p:bg>
     <p:spTree>
       <p:nvGrpSpPr>
         <p:cNvPr id="1" name=""/>
@@ -11299,6 +11331,348 @@
           <a:chExt cx="0" cy="0"/>
         </a:xfrm>
       </p:grpSpPr>
+      <p:sp useBgFill="1">
+        <p:nvSpPr>
+          <p:cNvPr id="28" name="Rectangle 27">
+            <a:extLst>
+              <a:ext uri="{FF2B5EF4-FFF2-40B4-BE49-F238E27FC236}">
+                <a16:creationId xmlns:a16="http://schemas.microsoft.com/office/drawing/2014/main" id="{B3408E4B-2DDD-4FB3-9181-7D8A09775FB3}"/>
+              </a:ext>
+              <a:ext uri="{C183D7F6-B498-43B3-948B-1728B52AA6E4}">
+                <adec:decorative xmlns:adec="http://schemas.microsoft.com/office/drawing/2017/decorative" val="1"/>
+              </a:ext>
+            </a:extLst>
+          </p:cNvPr>
+          <p:cNvSpPr>
+            <a:spLocks noGrp="1" noRot="1" noChangeAspect="1" noMove="1" noResize="1" noEditPoints="1" noAdjustHandles="1" noChangeArrowheads="1" noChangeShapeType="1" noTextEdit="1"/>
+          </p:cNvSpPr>
+          <p:nvPr>
+            <p:extLst>
+              <p:ext uri="{386F3935-93C4-4BCD-93E2-E3B085C9AB24}">
+                <p16:designElem xmlns:p16="http://schemas.microsoft.com/office/powerpoint/2015/main" val="1"/>
+              </p:ext>
+            </p:extLst>
+          </p:nvPr>
+        </p:nvSpPr>
+        <p:spPr>
+          <a:xfrm>
+            <a:off x="0" y="0"/>
+            <a:ext cx="12189867" cy="6855282"/>
+          </a:xfrm>
+          <a:prstGeom prst="rect">
+            <a:avLst/>
+          </a:prstGeom>
+          <a:ln>
+            <a:noFill/>
+          </a:ln>
+        </p:spPr>
+        <p:style>
+          <a:lnRef idx="2">
+            <a:schemeClr val="accent1">
+              <a:shade val="50000"/>
+            </a:schemeClr>
+          </a:lnRef>
+          <a:fillRef idx="1">
+            <a:schemeClr val="accent1"/>
+          </a:fillRef>
+          <a:effectRef idx="0">
+            <a:schemeClr val="accent1"/>
+          </a:effectRef>
+          <a:fontRef idx="minor">
+            <a:schemeClr val="lt1"/>
+          </a:fontRef>
+        </p:style>
+        <p:txBody>
+          <a:bodyPr rtlCol="0" anchor="ctr"/>
+          <a:lstStyle/>
+          <a:p>
+            <a:pPr algn="ctr"/>
+            <a:endParaRPr lang="en-US"/>
+          </a:p>
+        </p:txBody>
+      </p:sp>
+      <p:pic>
+        <p:nvPicPr>
+          <p:cNvPr id="30" name="Picture 29">
+            <a:extLst>
+              <a:ext uri="{FF2B5EF4-FFF2-40B4-BE49-F238E27FC236}">
+                <a16:creationId xmlns:a16="http://schemas.microsoft.com/office/drawing/2014/main" id="{3FCA32F3-0B4B-449A-8A9D-309A1B678252}"/>
+              </a:ext>
+              <a:ext uri="{C183D7F6-B498-43B3-948B-1728B52AA6E4}">
+                <adec:decorative xmlns:adec="http://schemas.microsoft.com/office/drawing/2017/decorative" val="1"/>
+              </a:ext>
+            </a:extLst>
+          </p:cNvPr>
+          <p:cNvPicPr>
+            <a:picLocks noGrp="1" noRot="1" noChangeAspect="1" noMove="1" noResize="1" noEditPoints="1" noAdjustHandles="1" noChangeArrowheads="1" noChangeShapeType="1" noCrop="1"/>
+          </p:cNvPicPr>
+          <p:nvPr>
+            <p:extLst>
+              <p:ext uri="{386F3935-93C4-4BCD-93E2-E3B085C9AB24}">
+                <p16:designElem xmlns:p16="http://schemas.microsoft.com/office/powerpoint/2015/main" val="1"/>
+              </p:ext>
+            </p:extLst>
+          </p:nvPr>
+        </p:nvPicPr>
+        <p:blipFill>
+          <a:blip r:embed="rId4">
+            <a:extLst>
+              <a:ext uri="{28A0092B-C50C-407E-A947-70E740481C1C}">
+                <a14:useLocalDpi xmlns:a14="http://schemas.microsoft.com/office/drawing/2010/main" val="0"/>
+              </a:ext>
+            </a:extLst>
+          </a:blip>
+          <a:stretch>
+            <a:fillRect/>
+          </a:stretch>
+        </p:blipFill>
+        <p:spPr>
+          <a:xfrm>
+            <a:off x="2831794" y="2105202"/>
+            <a:ext cx="9360205" cy="4752798"/>
+          </a:xfrm>
+          <a:prstGeom prst="rect">
+            <a:avLst/>
+          </a:prstGeom>
+        </p:spPr>
+      </p:pic>
+      <p:pic>
+        <p:nvPicPr>
+          <p:cNvPr id="32" name="Picture 31">
+            <a:extLst>
+              <a:ext uri="{FF2B5EF4-FFF2-40B4-BE49-F238E27FC236}">
+                <a16:creationId xmlns:a16="http://schemas.microsoft.com/office/drawing/2014/main" id="{D1C78E1D-D549-4B5E-B65A-7353ED14D838}"/>
+              </a:ext>
+              <a:ext uri="{C183D7F6-B498-43B3-948B-1728B52AA6E4}">
+                <adec:decorative xmlns:adec="http://schemas.microsoft.com/office/drawing/2017/decorative" val="1"/>
+              </a:ext>
+            </a:extLst>
+          </p:cNvPr>
+          <p:cNvPicPr>
+            <a:picLocks noGrp="1" noRot="1" noChangeAspect="1" noMove="1" noResize="1" noEditPoints="1" noAdjustHandles="1" noChangeArrowheads="1" noChangeShapeType="1" noCrop="1"/>
+          </p:cNvPicPr>
+          <p:nvPr>
+            <p:extLst>
+              <p:ext uri="{386F3935-93C4-4BCD-93E2-E3B085C9AB24}">
+                <p16:designElem xmlns:p16="http://schemas.microsoft.com/office/powerpoint/2015/main" val="1"/>
+              </p:ext>
+            </p:extLst>
+          </p:nvPr>
+        </p:nvPicPr>
+        <p:blipFill>
+          <a:blip r:embed="rId5">
+            <a:alphaModFix/>
+            <a:extLst>
+              <a:ext uri="{28A0092B-C50C-407E-A947-70E740481C1C}">
+                <a14:useLocalDpi xmlns:a14="http://schemas.microsoft.com/office/drawing/2010/main" val="0"/>
+              </a:ext>
+            </a:extLst>
+          </a:blip>
+          <a:stretch>
+            <a:fillRect/>
+          </a:stretch>
+        </p:blipFill>
+        <p:spPr>
+          <a:xfrm>
+            <a:off x="0" y="0"/>
+            <a:ext cx="12189867" cy="6858000"/>
+          </a:xfrm>
+          <a:prstGeom prst="rect">
+            <a:avLst/>
+          </a:prstGeom>
+        </p:spPr>
+      </p:pic>
+      <p:sp>
+        <p:nvSpPr>
+          <p:cNvPr id="34" name="Rectangle 33">
+            <a:extLst>
+              <a:ext uri="{FF2B5EF4-FFF2-40B4-BE49-F238E27FC236}">
+                <a16:creationId xmlns:a16="http://schemas.microsoft.com/office/drawing/2014/main" id="{BC93C630-65D6-40FA-A096-8251FB983E45}"/>
+              </a:ext>
+              <a:ext uri="{C183D7F6-B498-43B3-948B-1728B52AA6E4}">
+                <adec:decorative xmlns:adec="http://schemas.microsoft.com/office/drawing/2017/decorative" val="1"/>
+              </a:ext>
+            </a:extLst>
+          </p:cNvPr>
+          <p:cNvSpPr>
+            <a:spLocks noGrp="1" noRot="1" noChangeAspect="1" noMove="1" noResize="1" noEditPoints="1" noAdjustHandles="1" noChangeArrowheads="1" noChangeShapeType="1" noTextEdit="1"/>
+          </p:cNvSpPr>
+          <p:nvPr>
+            <p:extLst>
+              <p:ext uri="{386F3935-93C4-4BCD-93E2-E3B085C9AB24}">
+                <p16:designElem xmlns:p16="http://schemas.microsoft.com/office/powerpoint/2015/main" val="1"/>
+              </p:ext>
+            </p:extLst>
+          </p:nvPr>
+        </p:nvSpPr>
+        <p:spPr>
+          <a:xfrm>
+            <a:off x="0" y="0"/>
+            <a:ext cx="964174" cy="6858000"/>
+          </a:xfrm>
+          <a:prstGeom prst="rect">
+            <a:avLst/>
+          </a:prstGeom>
+          <a:solidFill>
+            <a:schemeClr val="bg2"/>
+          </a:solidFill>
+          <a:ln>
+            <a:noFill/>
+          </a:ln>
+        </p:spPr>
+        <p:style>
+          <a:lnRef idx="2">
+            <a:schemeClr val="accent1">
+              <a:shade val="50000"/>
+            </a:schemeClr>
+          </a:lnRef>
+          <a:fillRef idx="1">
+            <a:schemeClr val="accent1"/>
+          </a:fillRef>
+          <a:effectRef idx="0">
+            <a:schemeClr val="accent1"/>
+          </a:effectRef>
+          <a:fontRef idx="minor">
+            <a:schemeClr val="lt1"/>
+          </a:fontRef>
+        </p:style>
+        <p:txBody>
+          <a:bodyPr rtlCol="0" anchor="ctr"/>
+          <a:lstStyle/>
+          <a:p>
+            <a:pPr algn="ctr"/>
+            <a:endParaRPr lang="en-US"/>
+          </a:p>
+        </p:txBody>
+      </p:sp>
+      <p:sp>
+        <p:nvSpPr>
+          <p:cNvPr id="36" name="Rectangle 35">
+            <a:extLst>
+              <a:ext uri="{FF2B5EF4-FFF2-40B4-BE49-F238E27FC236}">
+                <a16:creationId xmlns:a16="http://schemas.microsoft.com/office/drawing/2014/main" id="{C2C51E34-9874-483C-A2C5-C9D271AD146E}"/>
+              </a:ext>
+              <a:ext uri="{C183D7F6-B498-43B3-948B-1728B52AA6E4}">
+                <adec:decorative xmlns:adec="http://schemas.microsoft.com/office/drawing/2017/decorative" val="1"/>
+              </a:ext>
+            </a:extLst>
+          </p:cNvPr>
+          <p:cNvSpPr>
+            <a:spLocks noGrp="1" noRot="1" noChangeAspect="1" noMove="1" noResize="1" noEditPoints="1" noAdjustHandles="1" noChangeArrowheads="1" noChangeShapeType="1" noTextEdit="1"/>
+          </p:cNvSpPr>
+          <p:nvPr>
+            <p:extLst>
+              <p:ext uri="{386F3935-93C4-4BCD-93E2-E3B085C9AB24}">
+                <p16:designElem xmlns:p16="http://schemas.microsoft.com/office/powerpoint/2015/main" val="1"/>
+              </p:ext>
+            </p:extLst>
+          </p:nvPr>
+        </p:nvSpPr>
+        <p:spPr>
+          <a:xfrm>
+            <a:off x="962042" y="0"/>
+            <a:ext cx="45719" cy="6858000"/>
+          </a:xfrm>
+          <a:prstGeom prst="rect">
+            <a:avLst/>
+          </a:prstGeom>
+          <a:solidFill>
+            <a:schemeClr val="accent6"/>
+          </a:solidFill>
+          <a:ln>
+            <a:noFill/>
+          </a:ln>
+        </p:spPr>
+        <p:style>
+          <a:lnRef idx="2">
+            <a:schemeClr val="accent1">
+              <a:shade val="50000"/>
+            </a:schemeClr>
+          </a:lnRef>
+          <a:fillRef idx="1">
+            <a:schemeClr val="accent1"/>
+          </a:fillRef>
+          <a:effectRef idx="0">
+            <a:schemeClr val="accent1"/>
+          </a:effectRef>
+          <a:fontRef idx="minor">
+            <a:schemeClr val="lt1"/>
+          </a:fontRef>
+        </p:style>
+        <p:txBody>
+          <a:bodyPr rtlCol="0" anchor="ctr"/>
+          <a:lstStyle/>
+          <a:p>
+            <a:pPr algn="ctr"/>
+            <a:endParaRPr lang="en-US"/>
+          </a:p>
+        </p:txBody>
+      </p:sp>
+      <p:sp>
+        <p:nvSpPr>
+          <p:cNvPr id="38" name="Rectangle 37">
+            <a:extLst>
+              <a:ext uri="{FF2B5EF4-FFF2-40B4-BE49-F238E27FC236}">
+                <a16:creationId xmlns:a16="http://schemas.microsoft.com/office/drawing/2014/main" id="{6109E7E7-5EA4-4526-A350-196FF2782FC3}"/>
+              </a:ext>
+              <a:ext uri="{C183D7F6-B498-43B3-948B-1728B52AA6E4}">
+                <adec:decorative xmlns:adec="http://schemas.microsoft.com/office/drawing/2017/decorative" val="1"/>
+              </a:ext>
+            </a:extLst>
+          </p:cNvPr>
+          <p:cNvSpPr>
+            <a:spLocks noGrp="1" noRot="1" noChangeAspect="1" noMove="1" noResize="1" noEditPoints="1" noAdjustHandles="1" noChangeArrowheads="1" noChangeShapeType="1" noTextEdit="1"/>
+          </p:cNvSpPr>
+          <p:nvPr>
+            <p:extLst>
+              <p:ext uri="{386F3935-93C4-4BCD-93E2-E3B085C9AB24}">
+                <p16:designElem xmlns:p16="http://schemas.microsoft.com/office/powerpoint/2015/main" val="1"/>
+              </p:ext>
+            </p:extLst>
+          </p:nvPr>
+        </p:nvSpPr>
+        <p:spPr>
+          <a:xfrm>
+            <a:off x="1007533" y="0"/>
+            <a:ext cx="10378001" cy="6858000"/>
+          </a:xfrm>
+          <a:prstGeom prst="rect">
+            <a:avLst/>
+          </a:prstGeom>
+          <a:solidFill>
+            <a:schemeClr val="bg2">
+              <a:alpha val="92000"/>
+            </a:schemeClr>
+          </a:solidFill>
+          <a:ln>
+            <a:noFill/>
+          </a:ln>
+        </p:spPr>
+        <p:style>
+          <a:lnRef idx="2">
+            <a:schemeClr val="accent1">
+              <a:shade val="50000"/>
+            </a:schemeClr>
+          </a:lnRef>
+          <a:fillRef idx="1">
+            <a:schemeClr val="accent1"/>
+          </a:fillRef>
+          <a:effectRef idx="0">
+            <a:schemeClr val="accent1"/>
+          </a:effectRef>
+          <a:fontRef idx="minor">
+            <a:schemeClr val="lt1"/>
+          </a:fontRef>
+        </p:style>
+        <p:txBody>
+          <a:bodyPr rtlCol="0" anchor="ctr"/>
+          <a:lstStyle/>
+          <a:p>
+            <a:pPr algn="ctr"/>
+            <a:endParaRPr lang="en-US"/>
+          </a:p>
+        </p:txBody>
+      </p:sp>
       <p:sp>
         <p:nvSpPr>
           <p:cNvPr id="2" name="Title 1">
@@ -11315,11 +11689,19 @@
             <p:ph type="title"/>
           </p:nvPr>
         </p:nvSpPr>
-        <p:spPr/>
-        <p:txBody>
-          <a:bodyPr/>
+        <p:spPr>
+          <a:xfrm>
+            <a:off x="1969803" y="808056"/>
+            <a:ext cx="8608037" cy="1077229"/>
+          </a:xfrm>
+        </p:spPr>
+        <p:txBody>
+          <a:bodyPr>
+            <a:normAutofit/>
+          </a:bodyPr>
           <a:lstStyle/>
           <a:p>
+            <a:pPr algn="l"/>
             <a:r>
               <a:rPr lang="en-US"/>
               <a:t>Functions of the Program/Website</a:t>
@@ -11345,19 +11727,19 @@
         </p:nvSpPr>
         <p:spPr>
           <a:xfrm>
-            <a:off x="1748528" y="1716473"/>
-            <a:ext cx="7796540" cy="3997828"/>
+            <a:off x="1969803" y="2052116"/>
+            <a:ext cx="3800523" cy="3997828"/>
           </a:xfrm>
         </p:spPr>
         <p:txBody>
-          <a:bodyPr vert="horz" lIns="91440" tIns="45720" rIns="91440" bIns="45720" rtlCol="0" anchor="t">
+          <a:bodyPr vert="horz" lIns="91440" tIns="45720" rIns="91440" bIns="45720" rtlCol="0">
             <a:normAutofit/>
           </a:bodyPr>
           <a:lstStyle/>
           <a:p>
             <a:pPr marL="344170" indent="-344170"/>
             <a:r>
-              <a:rPr lang="en-US">
+              <a:rPr lang="en-US" sz="1800">
                 <a:cs typeface="Arial"/>
               </a:rPr>
               <a:t>Registration</a:t>
@@ -11366,7 +11748,7 @@
           <a:p>
             <a:pPr marL="344170" indent="-344170"/>
             <a:r>
-              <a:rPr lang="en-US">
+              <a:rPr lang="en-US" sz="1800">
                 <a:cs typeface="Arial"/>
               </a:rPr>
               <a:t>Log in</a:t>
@@ -11375,7 +11757,7 @@
           <a:p>
             <a:pPr marL="344170" indent="-344170"/>
             <a:r>
-              <a:rPr lang="en-US">
+              <a:rPr lang="en-US" sz="1800">
                 <a:cs typeface="Arial"/>
               </a:rPr>
               <a:t>Read</a:t>
@@ -11384,7 +11766,7 @@
           <a:p>
             <a:pPr marL="344170" indent="-344170"/>
             <a:r>
-              <a:rPr lang="en-US">
+              <a:rPr lang="en-US" sz="1800">
                 <a:cs typeface="Arial"/>
               </a:rPr>
               <a:t>Learn</a:t>
@@ -11393,20 +11775,33 @@
           <a:p>
             <a:pPr marL="344170" indent="-344170"/>
             <a:r>
-              <a:rPr lang="en-US">
+              <a:rPr lang="en-US" sz="1800">
                 <a:cs typeface="Arial"/>
               </a:rPr>
               <a:t>Download</a:t>
             </a:r>
+            <a:endParaRPr lang="hu-HU" sz="1800">
+              <a:cs typeface="Arial"/>
+            </a:endParaRPr>
+          </a:p>
+          <a:p>
+            <a:pPr marL="344170" indent="-344170"/>
+            <a:r>
+              <a:rPr lang="hu-HU" sz="1800"/>
+              <a:t>Chat (Prototype)</a:t>
+            </a:r>
+            <a:endParaRPr lang="en-US" sz="1800">
+              <a:cs typeface="Arial"/>
+            </a:endParaRPr>
           </a:p>
         </p:txBody>
       </p:sp>
       <p:pic>
         <p:nvPicPr>
-          <p:cNvPr id="5" name="Picture 4">
+          <p:cNvPr id="6" name="Picture 5" descr="A screenshot of a chat&#10;&#10;AI-generated content may be incorrect.">
             <a:extLst>
               <a:ext uri="{FF2B5EF4-FFF2-40B4-BE49-F238E27FC236}">
-                <a16:creationId xmlns:a16="http://schemas.microsoft.com/office/drawing/2014/main" id="{2F6AECCE-1534-C7D8-06E2-BBBFA898EBCE}"/>
+                <a16:creationId xmlns:a16="http://schemas.microsoft.com/office/drawing/2014/main" id="{A0434C4F-3DFE-B2C3-3395-B9BF445D8368}"/>
               </a:ext>
             </a:extLst>
           </p:cNvPr>
@@ -11416,25 +11811,115 @@
           <p:nvPr/>
         </p:nvPicPr>
         <p:blipFill>
-          <a:blip r:embed="rId3"/>
-          <a:srcRect t="17254" r="-2" b="34702"/>
+          <a:blip r:embed="rId6"/>
+          <a:srcRect l="2789" r="-5" b="-5"/>
           <a:stretch/>
         </p:blipFill>
         <p:spPr>
           <a:xfrm>
-            <a:off x="6591901" y="1717429"/>
-            <a:ext cx="4170168" cy="2339288"/>
+            <a:off x="6577568" y="2348779"/>
+            <a:ext cx="3674398" cy="3373468"/>
           </a:xfrm>
           <a:prstGeom prst="rect">
             <a:avLst/>
           </a:prstGeom>
-          <a:ln w="12700">
-            <a:solidFill>
-              <a:schemeClr val="tx1"/>
-            </a:solidFill>
+          <a:ln>
+            <a:gradFill flip="none" rotWithShape="1">
+              <a:gsLst>
+                <a:gs pos="86000">
+                  <a:schemeClr val="accent6">
+                    <a:lumMod val="67000"/>
+                  </a:schemeClr>
+                </a:gs>
+                <a:gs pos="20000">
+                  <a:schemeClr val="accent6">
+                    <a:lumMod val="97000"/>
+                    <a:lumOff val="3000"/>
+                  </a:schemeClr>
+                </a:gs>
+                <a:gs pos="100000">
+                  <a:schemeClr val="accent6">
+                    <a:lumMod val="60000"/>
+                    <a:lumOff val="40000"/>
+                  </a:schemeClr>
+                </a:gs>
+              </a:gsLst>
+              <a:lin ang="16200000" scaled="1"/>
+              <a:tileRect/>
+            </a:gradFill>
+          </a:ln>
+          <a:effectLst>
+            <a:innerShdw blurRad="127000">
+              <a:prstClr val="black">
+                <a:alpha val="90000"/>
+              </a:prstClr>
+            </a:innerShdw>
+          </a:effectLst>
+        </p:spPr>
+      </p:pic>
+      <p:sp>
+        <p:nvSpPr>
+          <p:cNvPr id="40" name="Rectangle 39">
+            <a:extLst>
+              <a:ext uri="{FF2B5EF4-FFF2-40B4-BE49-F238E27FC236}">
+                <a16:creationId xmlns:a16="http://schemas.microsoft.com/office/drawing/2014/main" id="{22373A23-D87D-48AD-A357-96100C722DDC}"/>
+              </a:ext>
+              <a:ext uri="{C183D7F6-B498-43B3-948B-1728B52AA6E4}">
+                <adec:decorative xmlns:adec="http://schemas.microsoft.com/office/drawing/2017/decorative" val="1"/>
+              </a:ext>
+            </a:extLst>
+          </p:cNvPr>
+          <p:cNvSpPr>
+            <a:spLocks noGrp="1" noRot="1" noChangeAspect="1" noMove="1" noResize="1" noEditPoints="1" noAdjustHandles="1" noChangeArrowheads="1" noChangeShapeType="1" noTextEdit="1"/>
+          </p:cNvSpPr>
+          <p:nvPr>
+            <p:extLst>
+              <p:ext uri="{386F3935-93C4-4BCD-93E2-E3B085C9AB24}">
+                <p16:designElem xmlns:p16="http://schemas.microsoft.com/office/powerpoint/2015/main" val="1"/>
+              </p:ext>
+            </p:extLst>
+          </p:nvPr>
+        </p:nvSpPr>
+        <p:spPr>
+          <a:xfrm>
+            <a:off x="11387666" y="-2718"/>
+            <a:ext cx="27432" cy="6858000"/>
+          </a:xfrm>
+          <a:prstGeom prst="rect">
+            <a:avLst/>
+          </a:prstGeom>
+          <a:solidFill>
+            <a:schemeClr val="accent6"/>
+          </a:solidFill>
+          <a:ln>
+            <a:noFill/>
           </a:ln>
         </p:spPr>
-      </p:pic>
+        <p:style>
+          <a:lnRef idx="2">
+            <a:schemeClr val="accent1">
+              <a:shade val="50000"/>
+            </a:schemeClr>
+          </a:lnRef>
+          <a:fillRef idx="1">
+            <a:schemeClr val="accent1"/>
+          </a:fillRef>
+          <a:effectRef idx="0">
+            <a:schemeClr val="accent1"/>
+          </a:effectRef>
+          <a:fontRef idx="minor">
+            <a:schemeClr val="lt1"/>
+          </a:fontRef>
+        </p:style>
+        <p:txBody>
+          <a:bodyPr rtlCol="0" anchor="ctr"/>
+          <a:lstStyle/>
+          <a:p>
+            <a:pPr algn="ctr"/>
+            <a:endParaRPr lang="en-US"/>
+          </a:p>
+        </p:txBody>
+      </p:sp>
     </p:spTree>
     <p:extLst>
       <p:ext uri="{BB962C8B-B14F-4D97-AF65-F5344CB8AC3E}">
@@ -12232,10 +12717,10 @@
       </p:grpSpPr>
       <p:sp useBgFill="1">
         <p:nvSpPr>
-          <p:cNvPr id="118" name="Rectangle 117">
+          <p:cNvPr id="146" name="Rectangle 145">
             <a:extLst>
               <a:ext uri="{FF2B5EF4-FFF2-40B4-BE49-F238E27FC236}">
-                <a16:creationId xmlns:a16="http://schemas.microsoft.com/office/drawing/2014/main" id="{9FD18C7E-A536-4ED2-81F1-F68F820A935A}"/>
+                <a16:creationId xmlns:a16="http://schemas.microsoft.com/office/drawing/2014/main" id="{B63D41D4-EB8C-403C-8EC6-FEB536F61ACD}"/>
               </a:ext>
               <a:ext uri="{C183D7F6-B498-43B3-948B-1728B52AA6E4}">
                 <adec:decorative xmlns:adec="http://schemas.microsoft.com/office/drawing/2017/decorative" val="1"/>
@@ -12292,10 +12777,10 @@
       </p:sp>
       <p:pic>
         <p:nvPicPr>
-          <p:cNvPr id="119" name="Picture 118">
+          <p:cNvPr id="148" name="Picture 147">
             <a:extLst>
               <a:ext uri="{FF2B5EF4-FFF2-40B4-BE49-F238E27FC236}">
-                <a16:creationId xmlns:a16="http://schemas.microsoft.com/office/drawing/2014/main" id="{F45B1A33-5F81-4536-9BC8-12BEAEAD64E3}"/>
+                <a16:creationId xmlns:a16="http://schemas.microsoft.com/office/drawing/2014/main" id="{E37D8E56-A019-4644-A688-CF6C4DDB1114}"/>
               </a:ext>
               <a:ext uri="{C183D7F6-B498-43B3-948B-1728B52AA6E4}">
                 <adec:decorative xmlns:adec="http://schemas.microsoft.com/office/drawing/2017/decorative" val="1"/>
@@ -12337,10 +12822,10 @@
       </p:pic>
       <p:pic>
         <p:nvPicPr>
-          <p:cNvPr id="120" name="Picture 119">
+          <p:cNvPr id="150" name="Picture 149">
             <a:extLst>
               <a:ext uri="{FF2B5EF4-FFF2-40B4-BE49-F238E27FC236}">
-                <a16:creationId xmlns:a16="http://schemas.microsoft.com/office/drawing/2014/main" id="{D4FBDCDD-F411-4866-A570-98AB7A285116}"/>
+                <a16:creationId xmlns:a16="http://schemas.microsoft.com/office/drawing/2014/main" id="{491CBAA0-D4F5-44C8-ABE3-EBBE42A19896}"/>
               </a:ext>
               <a:ext uri="{C183D7F6-B498-43B3-948B-1728B52AA6E4}">
                 <adec:decorative xmlns:adec="http://schemas.microsoft.com/office/drawing/2017/decorative" val="1"/>
@@ -12383,10 +12868,10 @@
       </p:pic>
       <p:sp>
         <p:nvSpPr>
-          <p:cNvPr id="121" name="Rectangle 120">
+          <p:cNvPr id="152" name="Rectangle 151">
             <a:extLst>
               <a:ext uri="{FF2B5EF4-FFF2-40B4-BE49-F238E27FC236}">
-                <a16:creationId xmlns:a16="http://schemas.microsoft.com/office/drawing/2014/main" id="{20414325-3E1C-4B6A-97D5-772CC9928C3E}"/>
+                <a16:creationId xmlns:a16="http://schemas.microsoft.com/office/drawing/2014/main" id="{CF23987E-2F4E-45FD-BA47-566EE4D5A8E0}"/>
               </a:ext>
               <a:ext uri="{C183D7F6-B498-43B3-948B-1728B52AA6E4}">
                 <adec:decorative xmlns:adec="http://schemas.microsoft.com/office/drawing/2017/decorative" val="1"/>
@@ -12446,10 +12931,10 @@
       </p:sp>
       <p:sp>
         <p:nvSpPr>
-          <p:cNvPr id="122" name="Rectangle 121">
+          <p:cNvPr id="154" name="Rectangle 153">
             <a:extLst>
               <a:ext uri="{FF2B5EF4-FFF2-40B4-BE49-F238E27FC236}">
-                <a16:creationId xmlns:a16="http://schemas.microsoft.com/office/drawing/2014/main" id="{81325953-1470-447C-9D1A-D79FB4CF76DE}"/>
+                <a16:creationId xmlns:a16="http://schemas.microsoft.com/office/drawing/2014/main" id="{8CA1640F-9FB1-4D60-899F-0C99559AFA9E}"/>
               </a:ext>
               <a:ext uri="{C183D7F6-B498-43B3-948B-1728B52AA6E4}">
                 <adec:decorative xmlns:adec="http://schemas.microsoft.com/office/drawing/2017/decorative" val="1"/>
@@ -12509,10 +12994,10 @@
       </p:sp>
       <p:sp>
         <p:nvSpPr>
-          <p:cNvPr id="123" name="Rectangle 122">
+          <p:cNvPr id="156" name="Rectangle 155">
             <a:extLst>
               <a:ext uri="{FF2B5EF4-FFF2-40B4-BE49-F238E27FC236}">
-                <a16:creationId xmlns:a16="http://schemas.microsoft.com/office/drawing/2014/main" id="{AC4774E7-1E62-4239-A06C-8DC00327DA6B}"/>
+                <a16:creationId xmlns:a16="http://schemas.microsoft.com/office/drawing/2014/main" id="{3C6CB19C-0D5E-45BC-80D2-405291A6B797}"/>
               </a:ext>
               <a:ext uri="{C183D7F6-B498-43B3-948B-1728B52AA6E4}">
                 <adec:decorative xmlns:adec="http://schemas.microsoft.com/office/drawing/2017/decorative" val="1"/>
@@ -12590,8 +13075,8 @@
         </p:nvSpPr>
         <p:spPr>
           <a:xfrm>
-            <a:off x="6404351" y="808056"/>
-            <a:ext cx="4168377" cy="1077229"/>
+            <a:off x="7254807" y="808056"/>
+            <a:ext cx="3358090" cy="1077229"/>
           </a:xfrm>
         </p:spPr>
         <p:txBody>
@@ -12624,13 +13109,13 @@
         </p:nvPicPr>
         <p:blipFill>
           <a:blip r:embed="rId6"/>
-          <a:srcRect t="5397" r="-4" b="-4"/>
+          <a:srcRect t="4272" r="3" b="5"/>
           <a:stretch/>
         </p:blipFill>
         <p:spPr>
           <a:xfrm>
             <a:off x="1659297" y="648309"/>
-            <a:ext cx="3453747" cy="3267369"/>
+            <a:ext cx="2217523" cy="2122746"/>
           </a:xfrm>
           <a:prstGeom prst="rect">
             <a:avLst/>
@@ -12687,13 +13172,13 @@
         </p:nvPicPr>
         <p:blipFill>
           <a:blip r:embed="rId7"/>
-          <a:srcRect r="16300" b="-3"/>
+          <a:srcRect l="3322" r="24230" b="1"/>
           <a:stretch/>
         </p:blipFill>
         <p:spPr>
           <a:xfrm>
-            <a:off x="1659297" y="4079264"/>
-            <a:ext cx="3453747" cy="2132209"/>
+            <a:off x="1659296" y="2929985"/>
+            <a:ext cx="4600978" cy="3281488"/>
           </a:xfrm>
           <a:prstGeom prst="rect">
             <a:avLst/>
@@ -12746,8 +13231,8 @@
         </p:nvSpPr>
         <p:spPr>
           <a:xfrm>
-            <a:off x="6404351" y="2052116"/>
-            <a:ext cx="4168378" cy="3997828"/>
+            <a:off x="7254806" y="2052116"/>
+            <a:ext cx="3358090" cy="3997828"/>
           </a:xfrm>
           <a:prstGeom prst="rect">
             <a:avLst/>
@@ -12777,7 +13262,7 @@
               <a:buChar char="§"/>
             </a:pPr>
             <a:r>
-              <a:rPr lang="en-US"/>
+              <a:rPr lang="en-US" sz="1600"/>
               <a:t> Start Website</a:t>
             </a:r>
           </a:p>
@@ -12797,12 +13282,9 @@
               <a:buChar char="§"/>
             </a:pPr>
             <a:r>
-              <a:rPr lang="en-US"/>
+              <a:rPr lang="en-US" sz="1600"/>
               <a:t> Sign in/Sign up </a:t>
             </a:r>
-            <a:endParaRPr lang="en-US">
-              <a:cs typeface="Arial"/>
-            </a:endParaRPr>
           </a:p>
           <a:p>
             <a:pPr marL="285750" indent="-285750">
@@ -12820,7 +13302,7 @@
               <a:buChar char="§"/>
             </a:pPr>
             <a:r>
-              <a:rPr lang="en-US"/>
+              <a:rPr lang="en-US" sz="1600"/>
               <a:t> Main Website (Dungeon Book)</a:t>
             </a:r>
           </a:p>
@@ -12828,10 +13310,10 @@
       </p:sp>
       <p:sp>
         <p:nvSpPr>
-          <p:cNvPr id="124" name="Rectangle 123">
+          <p:cNvPr id="158" name="Rectangle 157">
             <a:extLst>
               <a:ext uri="{FF2B5EF4-FFF2-40B4-BE49-F238E27FC236}">
-                <a16:creationId xmlns:a16="http://schemas.microsoft.com/office/drawing/2014/main" id="{3AFFD31F-C421-4FBB-9C2E-99AC711A0F63}"/>
+                <a16:creationId xmlns:a16="http://schemas.microsoft.com/office/drawing/2014/main" id="{EB586E8B-33B8-4E79-A1BA-5741518F6F2A}"/>
               </a:ext>
               <a:ext uri="{C183D7F6-B498-43B3-948B-1728B52AA6E4}">
                 <adec:decorative xmlns:adec="http://schemas.microsoft.com/office/drawing/2017/decorative" val="1"/>
@@ -13332,7 +13814,7 @@
             <a:prstTxWarp prst="textNoShape">
               <a:avLst/>
             </a:prstTxWarp>
-            <a:normAutofit fontScale="85000" lnSpcReduction="10000"/>
+            <a:normAutofit/>
           </a:bodyPr>
           <a:lstStyle/>
           <a:p>
@@ -13345,47 +13827,29 @@
               <a:buChar char="•"/>
             </a:pPr>
             <a:r>
-              <a:rPr lang="en-US"/>
+              <a:rPr lang="en-US" dirty="0"/>
               <a:t>1  </a:t>
             </a:r>
             <a:r>
-              <a:rPr lang="en-US">
-                <a:ea typeface="+mn-lt"/>
-                <a:cs typeface="+mn-lt"/>
-              </a:rPr>
-              <a:t>The </a:t>
-            </a:r>
-            <a:r>
-              <a:rPr lang="en-US">
-                <a:latin typeface="Consolas"/>
-                <a:ea typeface="+mn-lt"/>
-                <a:cs typeface="+mn-lt"/>
-              </a:rPr>
+              <a:rPr lang="en-US" b="1" dirty="0"/>
               <a:t>GET /signup</a:t>
             </a:r>
             <a:r>
-              <a:rPr lang="en-US">
-                <a:ea typeface="+mn-lt"/>
-                <a:cs typeface="+mn-lt"/>
-              </a:rPr>
-              <a:t> endpoint retrieves all users from the database using </a:t>
-            </a:r>
-            <a:r>
-              <a:rPr lang="en-US">
-                <a:latin typeface="Consolas"/>
-                <a:ea typeface="+mn-lt"/>
-                <a:cs typeface="+mn-lt"/>
-              </a:rPr>
-              <a:t>SELECT * FROM user</a:t>
-            </a:r>
-            <a:r>
-              <a:rPr lang="en-US">
-                <a:ea typeface="+mn-lt"/>
-                <a:cs typeface="+mn-lt"/>
-              </a:rPr>
-              <a:t> and returns the results in JSON format.</a:t>
-            </a:r>
-            <a:endParaRPr lang="en-US">
+              <a:rPr lang="en-US" dirty="0"/>
+              <a:t>: Retrieves all users in JSON format.</a:t>
+            </a:r>
+            <a:endParaRPr lang="hu-HU" dirty="0"/>
+          </a:p>
+          <a:p>
+            <a:pPr marL="285750" indent="-285750">
+              <a:buClr>
+                <a:schemeClr val="accent6"/>
+              </a:buClr>
+              <a:buSzPct val="90000"/>
+              <a:buFont typeface="Arial"/>
+              <a:buChar char="•"/>
+            </a:pPr>
+            <a:endParaRPr lang="en-US" dirty="0">
               <a:cs typeface="Arial" panose="020B0604020202020204"/>
             </a:endParaRPr>
           </a:p>
@@ -13404,9 +13868,27 @@
               <a:buFont typeface="Arial"/>
               <a:buChar char="•"/>
             </a:pPr>
-            <a:endParaRPr lang="en-US">
-              <a:cs typeface="Arial" panose="020B0604020202020204"/>
-            </a:endParaRPr>
+            <a:r>
+              <a:rPr lang="en-US" dirty="0"/>
+              <a:t>2 </a:t>
+            </a:r>
+            <a:r>
+              <a:rPr lang="en-US" b="1" dirty="0"/>
+              <a:t>POST /signup</a:t>
+            </a:r>
+            <a:r>
+              <a:rPr lang="en-US" dirty="0"/>
+              <a:t>: Validates input and hashes the password with </a:t>
+            </a:r>
+            <a:r>
+              <a:rPr lang="en-US" dirty="0" err="1"/>
+              <a:t>bcrypt</a:t>
+            </a:r>
+            <a:r>
+              <a:rPr lang="en-US" dirty="0"/>
+              <a:t>.</a:t>
+            </a:r>
+            <a:endParaRPr lang="hu-HU" dirty="0"/>
           </a:p>
           <a:p>
             <a:pPr marL="285750" indent="-285750">
@@ -13424,86 +13906,10 @@
               <a:buChar char="•"/>
             </a:pPr>
             <a:r>
-              <a:rPr lang="en-US"/>
-              <a:t>2 </a:t>
-            </a:r>
-            <a:r>
-              <a:rPr lang="en-US">
-                <a:ea typeface="+mn-lt"/>
-                <a:cs typeface="+mn-lt"/>
-              </a:rPr>
-              <a:t>The </a:t>
-            </a:r>
-            <a:r>
-              <a:rPr lang="en-US">
-                <a:latin typeface="Consolas"/>
-              </a:rPr>
-              <a:t>POST /signup</a:t>
-            </a:r>
-            <a:r>
-              <a:rPr lang="en-US">
-                <a:ea typeface="+mn-lt"/>
-                <a:cs typeface="+mn-lt"/>
-              </a:rPr>
-              <a:t> endpoint validates user input (username, email, password). If valid, it hashes the password using </a:t>
-            </a:r>
-            <a:r>
-              <a:rPr lang="en-US">
-                <a:latin typeface="Consolas"/>
-              </a:rPr>
-              <a:t>bcrypt</a:t>
-            </a:r>
-            <a:r>
-              <a:rPr lang="en-US">
-                <a:ea typeface="+mn-lt"/>
-                <a:cs typeface="+mn-lt"/>
-              </a:rPr>
-              <a:t> and prepares for database insertion.</a:t>
-            </a:r>
-            <a:endParaRPr lang="en-US">
-              <a:cs typeface="Arial"/>
-            </a:endParaRPr>
-          </a:p>
-          <a:p>
-            <a:pPr marL="285750" indent="-285750">
-              <a:lnSpc>
-                <a:spcPct val="120000"/>
-              </a:lnSpc>
-              <a:spcAft>
-                <a:spcPts val="600"/>
-              </a:spcAft>
-              <a:buClr>
-                <a:schemeClr val="accent6"/>
-              </a:buClr>
-              <a:buSzPct val="90000"/>
-              <a:buFont typeface="Arial"/>
-              <a:buChar char="•"/>
-            </a:pPr>
-            <a:r>
-              <a:rPr lang="en-US"/>
-              <a:t>3 </a:t>
-            </a:r>
-            <a:r>
-              <a:rPr lang="en-US">
-                <a:ea typeface="+mn-lt"/>
-                <a:cs typeface="+mn-lt"/>
-              </a:rPr>
-              <a:t>The hashed password, along with the username and email, are inserted into the database using </a:t>
-            </a:r>
-            <a:r>
-              <a:rPr lang="en-US">
-                <a:latin typeface="Consolas"/>
-              </a:rPr>
-              <a:t>INSERT INTO user</a:t>
-            </a:r>
-            <a:r>
-              <a:rPr lang="en-US">
-                <a:ea typeface="+mn-lt"/>
-                <a:cs typeface="+mn-lt"/>
-              </a:rPr>
-              <a:t>. A success or error message is returned based on the outcome.</a:t>
-            </a:r>
-            <a:endParaRPr lang="en-US">
+              <a:rPr lang="en-US" dirty="0"/>
+              <a:t>3 Inserts data into the database and returns a message.</a:t>
+            </a:r>
+            <a:endParaRPr lang="en-US" dirty="0">
               <a:cs typeface="Arial"/>
             </a:endParaRPr>
           </a:p>
@@ -14417,14 +14823,6 @@
 </file>
 
 <file path=customXml/item2.xml><?xml version="1.0" encoding="utf-8"?>
-<p:properties xmlns:p="http://schemas.microsoft.com/office/2006/metadata/properties" xmlns:xsi="http://www.w3.org/2001/XMLSchema-instance" xmlns:pc="http://schemas.microsoft.com/office/infopath/2007/PartnerControls">
-  <documentManagement>
-    <ReferenceId xmlns="5afde73b-c052-4a2c-91af-a4a96b1c852e" xsi:nil="true"/>
-  </documentManagement>
-</p:properties>
-</file>
-
-<file path=customXml/item3.xml><?xml version="1.0" encoding="utf-8"?>
 <ct:contentTypeSchema xmlns:ct="http://schemas.microsoft.com/office/2006/metadata/contentType" xmlns:ma="http://schemas.microsoft.com/office/2006/metadata/properties/metaAttributes" ct:_="" ma:_="" ma:contentTypeName="Dokumentum" ma:contentTypeID="0x0101002A98B1C896EE5849B65D3F16E4F6EB33" ma:contentTypeVersion="5" ma:contentTypeDescription="Új dokumentum létrehozása." ma:contentTypeScope="" ma:versionID="e9b369018605ba6289527afb6abd17a5">
   <xsd:schema xmlns:xsd="http://www.w3.org/2001/XMLSchema" xmlns:xs="http://www.w3.org/2001/XMLSchema" xmlns:p="http://schemas.microsoft.com/office/2006/metadata/properties" xmlns:ns2="5afde73b-c052-4a2c-91af-a4a96b1c852e" targetNamespace="http://schemas.microsoft.com/office/2006/metadata/properties" ma:root="true" ma:fieldsID="f49b95145f23ec9da976164341108fce" ns2:_="">
     <xsd:import namespace="5afde73b-c052-4a2c-91af-a4a96b1c852e"/>
@@ -14574,6 +14972,14 @@
 </ct:contentTypeSchema>
 </file>
 
+<file path=customXml/item3.xml><?xml version="1.0" encoding="utf-8"?>
+<p:properties xmlns:p="http://schemas.microsoft.com/office/2006/metadata/properties" xmlns:xsi="http://www.w3.org/2001/XMLSchema-instance" xmlns:pc="http://schemas.microsoft.com/office/infopath/2007/PartnerControls">
+  <documentManagement>
+    <ReferenceId xmlns="5afde73b-c052-4a2c-91af-a4a96b1c852e" xsi:nil="true"/>
+  </documentManagement>
+</p:properties>
+</file>
+
 <file path=customXml/itemProps1.xml><?xml version="1.0" encoding="utf-8"?>
 <ds:datastoreItem xmlns:ds="http://schemas.openxmlformats.org/officeDocument/2006/customXml" ds:itemID="{FA6D68B5-D09C-4E43-BD92-234AB126FBE8}">
   <ds:schemaRefs>
@@ -14583,16 +14989,6 @@
 </file>
 
 <file path=customXml/itemProps2.xml><?xml version="1.0" encoding="utf-8"?>
-<ds:datastoreItem xmlns:ds="http://schemas.openxmlformats.org/officeDocument/2006/customXml" ds:itemID="{7E7396D5-7FDD-48EF-934B-C4568981EB07}">
-  <ds:schemaRefs>
-    <ds:schemaRef ds:uri="http://schemas.microsoft.com/office/2006/metadata/properties"/>
-    <ds:schemaRef ds:uri="http://schemas.microsoft.com/office/infopath/2007/PartnerControls"/>
-    <ds:schemaRef ds:uri="5afde73b-c052-4a2c-91af-a4a96b1c852e"/>
-  </ds:schemaRefs>
-</ds:datastoreItem>
-</file>
-
-<file path=customXml/itemProps3.xml><?xml version="1.0" encoding="utf-8"?>
 <ds:datastoreItem xmlns:ds="http://schemas.openxmlformats.org/officeDocument/2006/customXml" ds:itemID="{637F2441-F058-4DCF-8C7E-C98461DEA371}">
   <ds:schemaRefs>
     <ds:schemaRef ds:uri="http://schemas.microsoft.com/office/2006/metadata/contentType"/>
@@ -14608,4 +15004,14 @@
     <ds:schemaRef ds:uri="http://schemas.microsoft.com/internal/obd"/>
   </ds:schemaRefs>
 </ds:datastoreItem>
+</file>
+
+<file path=customXml/itemProps3.xml><?xml version="1.0" encoding="utf-8"?>
+<ds:datastoreItem xmlns:ds="http://schemas.openxmlformats.org/officeDocument/2006/customXml" ds:itemID="{7E7396D5-7FDD-48EF-934B-C4568981EB07}">
+  <ds:schemaRefs>
+    <ds:schemaRef ds:uri="http://schemas.microsoft.com/office/2006/metadata/properties"/>
+    <ds:schemaRef ds:uri="http://schemas.microsoft.com/office/infopath/2007/PartnerControls"/>
+    <ds:schemaRef ds:uri="5afde73b-c052-4a2c-91af-a4a96b1c852e"/>
+  </ds:schemaRefs>
+</ds:datastoreItem>
 </file>